--- a/text/11.chapter13.pptx
+++ b/text/11.chapter13.pptx
@@ -1828,7 +1828,7 @@
           <a:graphicData uri="http://schemas.openxmlformats.org/presentationml/2006/ole">
             <mc:AlternateContent xmlns:mc="http://schemas.openxmlformats.org/markup-compatibility/2006">
               <mc:Choice xmlns:v="urn:schemas-microsoft-com:vml" Requires="v">
-                <p:oleObj spid="_x0000_s224536" name="Image" r:id="rId3" imgW="12190476" imgH="431594" progId="">
+                <p:oleObj spid="_x0000_s224542" name="Image" r:id="rId3" imgW="12190476" imgH="431594" progId="">
                   <p:embed/>
                 </p:oleObj>
               </mc:Choice>
@@ -9596,7 +9596,7 @@
             </a:r>
             <a:r>
               <a:rPr kumimoji="1" lang="ja-JP" altLang="en-US" sz="1600" dirty="0" smtClean="0"/>
-              <a:t>アーキテクチャでは，命令実行順序や特定のポイントでアクセスの完了を終了させる命令を持つ</a:t>
+              <a:t>アーキテクチャでは，命令実行順序や特定のポイントでアクセスの完了を待つ命令を持つ</a:t>
             </a:r>
             <a:endParaRPr kumimoji="1" lang="en-US" altLang="ja-JP" sz="1600" dirty="0" smtClean="0"/>
           </a:p>
@@ -11505,7 +11505,7 @@
             <a:pPr lvl="2"/>
             <a:r>
               <a:rPr kumimoji="1" lang="ja-JP" altLang="en-US" sz="1800" dirty="0" smtClean="0"/>
-              <a:t>プロセッサはメモリアリードの順序を再スケジューリング可能</a:t>
+              <a:t>プロセッサはメモリリードの順序を再スケジューリング可能</a:t>
             </a:r>
             <a:endParaRPr kumimoji="1" lang="en-US" altLang="ja-JP" sz="1800" dirty="0" smtClean="0"/>
           </a:p>
@@ -11671,8 +11671,8 @@
               <a:t>は</a:t>
             </a:r>
             <a:r>
-              <a:rPr lang="en-US" altLang="ja-JP" dirty="0"/>
-              <a:t>STR</a:t>
+              <a:rPr lang="en-US" altLang="ja-JP" dirty="0" smtClean="0"/>
+              <a:t>STLR</a:t>
             </a:r>
             <a:r>
               <a:rPr lang="ja-JP" altLang="en-US" dirty="0"/>
@@ -12446,7 +12446,11 @@
             </a:r>
             <a:r>
               <a:rPr lang="ja-JP" altLang="en-US" sz="1800" dirty="0" smtClean="0"/>
-              <a:t>供すす同期メカニズムが必要である．</a:t>
+              <a:t>供する同期</a:t>
+            </a:r>
+            <a:r>
+              <a:rPr lang="ja-JP" altLang="en-US" sz="1800" dirty="0" smtClean="0"/>
+              <a:t>メカニズムが必要である．</a:t>
             </a:r>
             <a:endParaRPr lang="en-US" altLang="ja-JP" sz="1800" dirty="0" smtClean="0"/>
           </a:p>
@@ -12530,11 +12534,7 @@
             </a:r>
             <a:r>
               <a:rPr lang="en-US" altLang="ja-JP" sz="1800" dirty="0"/>
-              <a:t>place.”</a:t>
-            </a:r>
-            <a:r>
-              <a:rPr lang="en-US" altLang="ja-JP" sz="1800" dirty="0"/>
-              <a:t> </a:t>
+              <a:t>place.” </a:t>
             </a:r>
             <a:r>
               <a:rPr lang="en-US" altLang="ja-JP" dirty="0"/>
@@ -13992,7 +13992,7 @@
             <a:pPr lvl="2"/>
             <a:r>
               <a:rPr kumimoji="1" lang="ja-JP" altLang="en-US" sz="1800" dirty="0" smtClean="0"/>
-              <a:t>依存関係のない命令の実行順序を入れ替えて実行する．ある命令が実行待ちでストールいる場合，後続の依存関係のない命令を実行する</a:t>
+              <a:t>依存関係のない命令の実行順序を入れ替えて実行する．ある命令が実行待ちでストールしている場合，後続の依存関係のない命令を実行する</a:t>
             </a:r>
             <a:endParaRPr kumimoji="1" lang="en-US" altLang="ja-JP" sz="1800" dirty="0" smtClean="0"/>
           </a:p>
@@ -14814,11 +14814,7 @@
             </a:r>
             <a:r>
               <a:rPr lang="ja-JP" altLang="en-US" sz="1800" dirty="0" smtClean="0"/>
-              <a:t>個の大きなストア命令に変換する</a:t>
-            </a:r>
-            <a:r>
-              <a:rPr lang="ja-JP" altLang="en-US" sz="1800" dirty="0" smtClean="0"/>
-              <a:t>．</a:t>
+              <a:t>個の大きなストア命令に変換する．</a:t>
             </a:r>
             <a:endParaRPr lang="en-US" altLang="ja-JP" sz="1800" dirty="0" smtClean="0"/>
           </a:p>
@@ -15669,15 +15665,7 @@
             <a:pPr lvl="1"/>
             <a:r>
               <a:rPr kumimoji="1" lang="ja-JP" altLang="en-US" dirty="0" smtClean="0"/>
-              <a:t>このタイプのメモリは弱い順序制約と少ない制約により最もプロセッサ</a:t>
-            </a:r>
-            <a:r>
-              <a:rPr kumimoji="1" lang="en-US" altLang="ja-JP" dirty="0" smtClean="0"/>
-              <a:t>n</a:t>
-            </a:r>
-            <a:r>
-              <a:rPr kumimoji="1" lang="ja-JP" altLang="en-US" dirty="0" smtClean="0"/>
-              <a:t>性能が高くなる</a:t>
+              <a:t>このタイプのメモリは弱い順序制約と少ない制約により最もプロセッサ性能が高くなる</a:t>
             </a:r>
             <a:endParaRPr kumimoji="1" lang="en-US" altLang="ja-JP" dirty="0" smtClean="0"/>
           </a:p>
